--- a/trunk/Documentos/presentacion_institucional_20141.pptx
+++ b/trunk/Documentos/presentacion_institucional_20141.pptx
@@ -3839,7 +3839,7 @@
         <p:spPr>
           <a:xfrm>
             <a:off x="1859437" y="1946939"/>
-            <a:ext cx="6691313" cy="3416320"/>
+            <a:ext cx="6691313" cy="3600986"/>
           </a:xfrm>
           <a:prstGeom prst="rect">
             <a:avLst/>
@@ -3854,14 +3854,20 @@
           <a:p>
             <a:pPr algn="ctr"/>
             <a:r>
-              <a:rPr lang="es-CO" sz="4800" b="1" dirty="0">
+              <a:rPr lang="es-CO" sz="6000" b="1" dirty="0" smtClean="0">
                 <a:solidFill>
                   <a:srgbClr val="C00000"/>
                 </a:solidFill>
-                <a:latin typeface="Arial Narrow" panose="020B0606020202030204" pitchFamily="34" charset="0"/>
+                <a:latin typeface="Brush Script MT" panose="03060802040406070304" pitchFamily="66" charset="0"/>
               </a:rPr>
               <a:t>PlastiSoft</a:t>
             </a:r>
+            <a:endParaRPr lang="es-CO" sz="6000" b="1" dirty="0">
+              <a:solidFill>
+                <a:srgbClr val="C00000"/>
+              </a:solidFill>
+              <a:latin typeface="Brush Script MT" panose="03060802040406070304" pitchFamily="66" charset="0"/>
+            </a:endParaRPr>
           </a:p>
           <a:p>
             <a:pPr algn="ctr"/>
@@ -3940,6 +3946,13 @@
   <p:clrMapOvr>
     <a:masterClrMapping/>
   </p:clrMapOvr>
+  <p:timing>
+    <p:tnLst>
+      <p:par>
+        <p:cTn id="1" dur="indefinite" restart="never" nodeType="tmRoot"/>
+      </p:par>
+    </p:tnLst>
+  </p:timing>
 </p:sld>
 </file>
 
@@ -3972,7 +3985,7 @@
         </p:nvSpPr>
         <p:spPr>
           <a:xfrm>
-            <a:off x="546901" y="120327"/>
+            <a:off x="549342" y="419274"/>
             <a:ext cx="8229600" cy="1143000"/>
           </a:xfrm>
         </p:spPr>
@@ -5619,6 +5632,13 @@
   <p:clrMapOvr>
     <a:masterClrMapping/>
   </p:clrMapOvr>
+  <p:timing>
+    <p:tnLst>
+      <p:par>
+        <p:cTn id="1" dur="indefinite" restart="never" nodeType="tmRoot"/>
+      </p:par>
+    </p:tnLst>
+  </p:timing>
 </p:sld>
 </file>
 
@@ -5647,8 +5667,8 @@
         </p:nvSpPr>
         <p:spPr>
           <a:xfrm>
-            <a:off x="1050040" y="896910"/>
-            <a:ext cx="7204075" cy="4339650"/>
+            <a:off x="971600" y="476672"/>
+            <a:ext cx="7204075" cy="4832092"/>
           </a:xfrm>
           <a:prstGeom prst="rect">
             <a:avLst/>
@@ -5689,7 +5709,170 @@
           </a:p>
           <a:p>
             <a:pPr algn="ctr"/>
-            <a:endParaRPr lang="es-CO" sz="2800" b="1" dirty="0">
+            <a:r>
+              <a:rPr lang="es-CO" sz="2000" b="1" dirty="0">
+                <a:solidFill>
+                  <a:schemeClr val="tx1">
+                    <a:lumMod val="50000"/>
+                    <a:lumOff val="50000"/>
+                  </a:schemeClr>
+                </a:solidFill>
+                <a:latin typeface="Arial Narrow" panose="020B0606020202030204" pitchFamily="34" charset="0"/>
+              </a:rPr>
+              <a:t/>
+            </a:r>
+            <a:br>
+              <a:rPr lang="es-CO" sz="2000" b="1" dirty="0">
+                <a:solidFill>
+                  <a:schemeClr val="tx1">
+                    <a:lumMod val="50000"/>
+                    <a:lumOff val="50000"/>
+                  </a:schemeClr>
+                </a:solidFill>
+                <a:latin typeface="Arial Narrow" panose="020B0606020202030204" pitchFamily="34" charset="0"/>
+              </a:rPr>
+            </a:br>
+            <a:r>
+              <a:rPr lang="es-CO" sz="2000" b="1" dirty="0">
+                <a:solidFill>
+                  <a:schemeClr val="tx1">
+                    <a:lumMod val="50000"/>
+                    <a:lumOff val="50000"/>
+                  </a:schemeClr>
+                </a:solidFill>
+                <a:latin typeface="Arial Narrow" panose="020B0606020202030204" pitchFamily="34" charset="0"/>
+              </a:rPr>
+              <a:t/>
+            </a:r>
+            <a:br>
+              <a:rPr lang="es-CO" sz="2000" b="1" dirty="0">
+                <a:solidFill>
+                  <a:schemeClr val="tx1">
+                    <a:lumMod val="50000"/>
+                    <a:lumOff val="50000"/>
+                  </a:schemeClr>
+                </a:solidFill>
+                <a:latin typeface="Arial Narrow" panose="020B0606020202030204" pitchFamily="34" charset="0"/>
+              </a:rPr>
+            </a:br>
+            <a:endParaRPr lang="es-CO" sz="2000" b="1" dirty="0" smtClean="0">
+              <a:solidFill>
+                <a:schemeClr val="tx1">
+                  <a:lumMod val="50000"/>
+                  <a:lumOff val="50000"/>
+                </a:schemeClr>
+              </a:solidFill>
+              <a:latin typeface="Arial Narrow" panose="020B0606020202030204" pitchFamily="34" charset="0"/>
+            </a:endParaRPr>
+          </a:p>
+          <a:p>
+            <a:pPr algn="ctr"/>
+            <a:r>
+              <a:rPr lang="es-CO" sz="2800" b="1" dirty="0">
+                <a:solidFill>
+                  <a:schemeClr val="tx1">
+                    <a:lumMod val="50000"/>
+                    <a:lumOff val="50000"/>
+                  </a:schemeClr>
+                </a:solidFill>
+                <a:latin typeface="Arial Narrow" panose="020B0606020202030204" pitchFamily="34" charset="0"/>
+              </a:rPr>
+              <a:t>Oscar Julian Buitrago Castro</a:t>
+            </a:r>
+          </a:p>
+          <a:p>
+            <a:pPr algn="ctr"/>
+            <a:r>
+              <a:rPr lang="es-CO" sz="2000" b="1" dirty="0">
+                <a:solidFill>
+                  <a:schemeClr val="tx1">
+                    <a:lumMod val="50000"/>
+                    <a:lumOff val="50000"/>
+                  </a:schemeClr>
+                </a:solidFill>
+                <a:latin typeface="Arial Narrow" panose="020B0606020202030204" pitchFamily="34" charset="0"/>
+              </a:rPr>
+              <a:t>Analista, Documentador, </a:t>
+            </a:r>
+            <a:r>
+              <a:rPr lang="es-CO" sz="2000" b="1" dirty="0" smtClean="0">
+                <a:solidFill>
+                  <a:schemeClr val="tx1">
+                    <a:lumMod val="50000"/>
+                    <a:lumOff val="50000"/>
+                  </a:schemeClr>
+                </a:solidFill>
+                <a:latin typeface="Arial Narrow" panose="020B0606020202030204" pitchFamily="34" charset="0"/>
+              </a:rPr>
+              <a:t>Programador, Tester</a:t>
+            </a:r>
+            <a:endParaRPr lang="es-CO" sz="2000" b="1" dirty="0">
+              <a:solidFill>
+                <a:schemeClr val="tx1">
+                  <a:lumMod val="50000"/>
+                  <a:lumOff val="50000"/>
+                </a:schemeClr>
+              </a:solidFill>
+              <a:latin typeface="Arial Narrow" panose="020B0606020202030204" pitchFamily="34" charset="0"/>
+            </a:endParaRPr>
+          </a:p>
+          <a:p>
+            <a:pPr algn="ctr"/>
+            <a:endParaRPr lang="es-CO" sz="2000" b="1" dirty="0">
+              <a:solidFill>
+                <a:schemeClr val="tx1">
+                  <a:lumMod val="50000"/>
+                  <a:lumOff val="50000"/>
+                </a:schemeClr>
+              </a:solidFill>
+              <a:latin typeface="Arial Narrow" panose="020B0606020202030204" pitchFamily="34" charset="0"/>
+            </a:endParaRPr>
+          </a:p>
+          <a:p>
+            <a:pPr algn="ctr"/>
+            <a:r>
+              <a:rPr lang="es-CO" sz="2800" b="1" dirty="0" smtClean="0">
+                <a:solidFill>
+                  <a:schemeClr val="tx1">
+                    <a:lumMod val="50000"/>
+                    <a:lumOff val="50000"/>
+                  </a:schemeClr>
+                </a:solidFill>
+                <a:latin typeface="Arial Narrow" panose="020B0606020202030204" pitchFamily="34" charset="0"/>
+              </a:rPr>
+              <a:t>Juan </a:t>
+            </a:r>
+            <a:r>
+              <a:rPr lang="es-CO" sz="2800" b="1" dirty="0">
+                <a:solidFill>
+                  <a:schemeClr val="tx1">
+                    <a:lumMod val="50000"/>
+                    <a:lumOff val="50000"/>
+                  </a:schemeClr>
+                </a:solidFill>
+                <a:latin typeface="Arial Narrow" panose="020B0606020202030204" pitchFamily="34" charset="0"/>
+              </a:rPr>
+              <a:t>Pablo Lopera Estrada</a:t>
+            </a:r>
+          </a:p>
+          <a:p>
+            <a:pPr algn="ctr"/>
+            <a:r>
+              <a:rPr lang="es-CO" sz="2000" b="1" dirty="0">
+                <a:solidFill>
+                  <a:schemeClr val="tx1">
+                    <a:lumMod val="50000"/>
+                    <a:lumOff val="50000"/>
+                  </a:schemeClr>
+                </a:solidFill>
+                <a:latin typeface="Arial Narrow" panose="020B0606020202030204" pitchFamily="34" charset="0"/>
+              </a:rPr>
+              <a:t>Analista, Diseñador Desktop, Programador, Tester</a:t>
+            </a:r>
+          </a:p>
+          <a:p>
+            <a:pPr algn="ctr"/>
+            <a:endParaRPr lang="es-CO" sz="2000" b="1" dirty="0">
               <a:solidFill>
                 <a:schemeClr val="tx1">
                   <a:lumMod val="50000"/>
@@ -5714,6 +5897,18 @@
               <a:t>Juan Diego </a:t>
             </a:r>
             <a:r>
+              <a:rPr lang="es-CO" sz="2800" b="1" dirty="0" smtClean="0">
+                <a:solidFill>
+                  <a:schemeClr val="tx1">
+                    <a:lumMod val="50000"/>
+                    <a:lumOff val="50000"/>
+                  </a:schemeClr>
+                </a:solidFill>
+                <a:latin typeface="Arial Narrow" panose="020B0606020202030204" pitchFamily="34" charset="0"/>
+              </a:rPr>
+              <a:t>González </a:t>
+            </a:r>
+            <a:r>
               <a:rPr lang="es-CO" sz="2800" b="1" dirty="0">
                 <a:solidFill>
                   <a:schemeClr val="tx1">
@@ -5723,7 +5918,7 @@
                 </a:solidFill>
                 <a:latin typeface="Arial Narrow" panose="020B0606020202030204" pitchFamily="34" charset="0"/>
               </a:rPr>
-              <a:t>Gonzalez Mena</a:t>
+              <a:t>Mena</a:t>
             </a:r>
             <a:r>
               <a:rPr lang="es-CO" sz="3200" b="1" dirty="0">
@@ -5796,70 +5991,6 @@
               </a:rPr>
               <a:t>Web, Programador</a:t>
             </a:r>
-            <a:br>
-              <a:rPr lang="es-CO" sz="2000" b="1" dirty="0">
-                <a:solidFill>
-                  <a:schemeClr val="tx1">
-                    <a:lumMod val="50000"/>
-                    <a:lumOff val="50000"/>
-                  </a:schemeClr>
-                </a:solidFill>
-                <a:latin typeface="Arial Narrow" panose="020B0606020202030204" pitchFamily="34" charset="0"/>
-              </a:rPr>
-            </a:br>
-            <a:r>
-              <a:rPr lang="es-CO" sz="2000" b="1" dirty="0">
-                <a:solidFill>
-                  <a:schemeClr val="tx1">
-                    <a:lumMod val="50000"/>
-                    <a:lumOff val="50000"/>
-                  </a:schemeClr>
-                </a:solidFill>
-                <a:latin typeface="Arial Narrow" panose="020B0606020202030204" pitchFamily="34" charset="0"/>
-              </a:rPr>
-              <a:t/>
-            </a:r>
-            <a:br>
-              <a:rPr lang="es-CO" sz="2000" b="1" dirty="0">
-                <a:solidFill>
-                  <a:schemeClr val="tx1">
-                    <a:lumMod val="50000"/>
-                    <a:lumOff val="50000"/>
-                  </a:schemeClr>
-                </a:solidFill>
-                <a:latin typeface="Arial Narrow" panose="020B0606020202030204" pitchFamily="34" charset="0"/>
-              </a:rPr>
-            </a:br>
-            <a:r>
-              <a:rPr lang="es-CO" sz="2800" b="1" dirty="0">
-                <a:solidFill>
-                  <a:schemeClr val="tx1">
-                    <a:lumMod val="50000"/>
-                    <a:lumOff val="50000"/>
-                  </a:schemeClr>
-                </a:solidFill>
-                <a:latin typeface="Arial Narrow" panose="020B0606020202030204" pitchFamily="34" charset="0"/>
-              </a:rPr>
-              <a:t>Juan Pablo Lopera Estrada</a:t>
-            </a:r>
-          </a:p>
-          <a:p>
-            <a:pPr algn="ctr"/>
-            <a:r>
-              <a:rPr lang="es-CO" sz="2000" b="1" dirty="0">
-                <a:solidFill>
-                  <a:schemeClr val="tx1">
-                    <a:lumMod val="50000"/>
-                    <a:lumOff val="50000"/>
-                  </a:schemeClr>
-                </a:solidFill>
-                <a:latin typeface="Arial Narrow" panose="020B0606020202030204" pitchFamily="34" charset="0"/>
-              </a:rPr>
-              <a:t>Analista, Diseñador Desktop, Programador, Tester</a:t>
-            </a:r>
-          </a:p>
-          <a:p>
-            <a:pPr algn="ctr"/>
             <a:endParaRPr lang="es-CO" sz="2000" b="1" dirty="0">
               <a:solidFill>
                 <a:schemeClr val="tx1">
@@ -5869,36 +6000,6 @@
               </a:solidFill>
               <a:latin typeface="Arial Narrow" panose="020B0606020202030204" pitchFamily="34" charset="0"/>
             </a:endParaRPr>
-          </a:p>
-          <a:p>
-            <a:pPr algn="ctr"/>
-            <a:r>
-              <a:rPr lang="es-CO" sz="2800" b="1" dirty="0">
-                <a:solidFill>
-                  <a:schemeClr val="tx1">
-                    <a:lumMod val="50000"/>
-                    <a:lumOff val="50000"/>
-                  </a:schemeClr>
-                </a:solidFill>
-                <a:latin typeface="Arial Narrow" panose="020B0606020202030204" pitchFamily="34" charset="0"/>
-              </a:rPr>
-              <a:t>Oscar Julian Buitrago Castro</a:t>
-            </a:r>
-          </a:p>
-          <a:p>
-            <a:pPr algn="ctr"/>
-            <a:r>
-              <a:rPr lang="es-CO" sz="2000" b="1" dirty="0">
-                <a:solidFill>
-                  <a:schemeClr val="tx1">
-                    <a:lumMod val="50000"/>
-                    <a:lumOff val="50000"/>
-                  </a:schemeClr>
-                </a:solidFill>
-                <a:latin typeface="Arial Narrow" panose="020B0606020202030204" pitchFamily="34" charset="0"/>
-              </a:rPr>
-              <a:t>Analista, Documentador, Programador</a:t>
-            </a:r>
           </a:p>
         </p:txBody>
       </p:sp>
@@ -13567,6 +13668,13 @@
   <p:clrMapOvr>
     <a:masterClrMapping/>
   </p:clrMapOvr>
+  <p:timing>
+    <p:tnLst>
+      <p:par>
+        <p:cTn id="1" dur="indefinite" restart="never" nodeType="tmRoot"/>
+      </p:par>
+    </p:tnLst>
+  </p:timing>
 </p:sld>
 </file>
 
@@ -14652,6 +14760,13 @@
   <p:clrMapOvr>
     <a:masterClrMapping/>
   </p:clrMapOvr>
+  <p:timing>
+    <p:tnLst>
+      <p:par>
+        <p:cTn id="1" dur="indefinite" restart="never" nodeType="tmRoot"/>
+      </p:par>
+    </p:tnLst>
+  </p:timing>
 </p:sld>
 </file>
 
@@ -15737,6 +15852,13 @@
   <p:clrMapOvr>
     <a:masterClrMapping/>
   </p:clrMapOvr>
+  <p:timing>
+    <p:tnLst>
+      <p:par>
+        <p:cTn id="1" dur="indefinite" restart="never" nodeType="tmRoot"/>
+      </p:par>
+    </p:tnLst>
+  </p:timing>
 </p:sld>
 </file>
 
@@ -15797,7 +15919,9 @@
         </p:nvSpPr>
         <p:spPr/>
         <p:txBody>
-          <a:bodyPr/>
+          <a:bodyPr>
+            <a:normAutofit lnSpcReduction="10000"/>
+          </a:bodyPr>
           <a:lstStyle/>
           <a:p>
             <a:r>
@@ -15832,8 +15956,19 @@
           <a:p>
             <a:r>
               <a:rPr lang="es-CO" dirty="0"/>
-              <a:t>http://docs.oracle.com/javaee/5/tutorial/doc/bnagy.html#bnagz</a:t>
+              <a:t>http://</a:t>
             </a:r>
+            <a:r>
+              <a:rPr lang="es-CO" dirty="0" smtClean="0"/>
+              <a:t>docs.oracle.com/javaee/5/tutorial/doc/bnagy.html#bnagz</a:t>
+            </a:r>
+          </a:p>
+          <a:p>
+            <a:r>
+              <a:rPr lang="es-CO" dirty="0"/>
+              <a:t>http://stackoverflow.com/</a:t>
+            </a:r>
+            <a:endParaRPr lang="es-CO" dirty="0"/>
           </a:p>
         </p:txBody>
       </p:sp>
@@ -15847,6 +15982,13 @@
   <p:clrMapOvr>
     <a:masterClrMapping/>
   </p:clrMapOvr>
+  <p:timing>
+    <p:tnLst>
+      <p:par>
+        <p:cTn id="1" dur="indefinite" restart="never" nodeType="tmRoot"/>
+      </p:par>
+    </p:tnLst>
+  </p:timing>
 </p:sld>
 </file>
 
